--- a/1. Core Java 8/Day 3/Slides/3. Implementing Class Constructors and Initializers/implementing-class-constructors-and-initializers-slides.pptx
+++ b/1. Core Java 8/Day 3/Slides/3. Implementing Class Constructors and Initializers/implementing-class-constructors-and-initializers-slides.pptx
@@ -4857,7 +4857,7 @@
         <p:spPr>
           <a:xfrm>
             <a:off x="0" y="0"/>
-            <a:ext cx="12251055" cy="6142990"/>
+            <a:ext cx="12251055" cy="6902450"/>
           </a:xfrm>
           <a:prstGeom prst="rect">
             <a:avLst/>
